--- a/How does Dwelling^J CPI and Fuel effect Inflation - PowerPoint.pptx
+++ b/How does Dwelling^J CPI and Fuel effect Inflation - PowerPoint.pptx
@@ -13,8 +13,10 @@
     <p:sldId id="260" r:id="rId7"/>
     <p:sldId id="261" r:id="rId8"/>
     <p:sldId id="262" r:id="rId9"/>
-    <p:sldId id="263" r:id="rId10"/>
-    <p:sldId id="264" r:id="rId11"/>
+    <p:sldId id="267" r:id="rId10"/>
+    <p:sldId id="268" r:id="rId11"/>
+    <p:sldId id="263" r:id="rId12"/>
+    <p:sldId id="264" r:id="rId13"/>
   </p:sldIdLst>
   <p:sldSz cx="12192000" cy="6858000"/>
   <p:notesSz cx="6858000" cy="9144000"/>
@@ -113,6 +115,11 @@
       </a:defRPr>
     </a:lvl9pPr>
   </p:defaultTextStyle>
+  <p:extLst>
+    <p:ext uri="{EFAFB233-063F-42B5-8137-9DF3F51BA10A}">
+      <p15:sldGuideLst xmlns:p15="http://schemas.microsoft.com/office/powerpoint/2012/main"/>
+    </p:ext>
+  </p:extLst>
 </p:presentation>
 </file>
 
@@ -4066,6 +4073,1093 @@
 </file>
 
 <file path=ppt/slides/slide10.xml><?xml version="1.0" encoding="utf-8"?>
+<p:sld xmlns:a="http://schemas.openxmlformats.org/drawingml/2006/main" xmlns:r="http://schemas.openxmlformats.org/officeDocument/2006/relationships" xmlns:p="http://schemas.openxmlformats.org/presentationml/2006/main">
+  <p:cSld>
+    <p:bg>
+      <p:bgPr>
+        <a:solidFill>
+          <a:schemeClr val="bg1"/>
+        </a:solidFill>
+        <a:effectLst/>
+      </p:bgPr>
+    </p:bg>
+    <p:spTree>
+      <p:nvGrpSpPr>
+        <p:cNvPr id="1" name=""/>
+        <p:cNvGrpSpPr/>
+        <p:nvPr/>
+      </p:nvGrpSpPr>
+      <p:grpSpPr>
+        <a:xfrm>
+          <a:off x="0" y="0"/>
+          <a:ext cx="0" cy="0"/>
+          <a:chOff x="0" y="0"/>
+          <a:chExt cx="0" cy="0"/>
+        </a:xfrm>
+      </p:grpSpPr>
+      <p:sp useBgFill="1">
+        <p:nvSpPr>
+          <p:cNvPr id="19" name="Rectangle 18">
+            <a:extLst>
+              <a:ext uri="{FF2B5EF4-FFF2-40B4-BE49-F238E27FC236}">
+                <a16:creationId xmlns:a16="http://schemas.microsoft.com/office/drawing/2014/main" id="{DEE2AD96-B495-4E06-9291-B71706F728CB}"/>
+              </a:ext>
+              <a:ext uri="{C183D7F6-B498-43B3-948B-1728B52AA6E4}">
+                <adec:decorative xmlns:adec="http://schemas.microsoft.com/office/drawing/2017/decorative" val="1"/>
+              </a:ext>
+            </a:extLst>
+          </p:cNvPr>
+          <p:cNvSpPr>
+            <a:spLocks noGrp="1" noRot="1" noChangeAspect="1" noMove="1" noResize="1" noEditPoints="1" noAdjustHandles="1" noChangeArrowheads="1" noChangeShapeType="1" noTextEdit="1"/>
+          </p:cNvSpPr>
+          <p:nvPr>
+            <p:extLst>
+              <p:ext uri="{386F3935-93C4-4BCD-93E2-E3B085C9AB24}">
+                <p16:designElem xmlns:p16="http://schemas.microsoft.com/office/powerpoint/2015/main" val="1"/>
+              </p:ext>
+            </p:extLst>
+          </p:nvPr>
+        </p:nvSpPr>
+        <p:spPr>
+          <a:xfrm>
+            <a:off x="0" y="0"/>
+            <a:ext cx="12192000" cy="6858000"/>
+          </a:xfrm>
+          <a:prstGeom prst="rect">
+            <a:avLst/>
+          </a:prstGeom>
+          <a:ln w="12700" cap="flat" cmpd="sng" algn="ctr">
+            <a:noFill/>
+            <a:prstDash val="solid"/>
+            <a:miter lim="800000"/>
+          </a:ln>
+          <a:effectLst/>
+          <a:extLst>
+            <a:ext uri="{91240B29-F687-4F45-9708-019B960494DF}">
+              <a14:hiddenLine xmlns:a14="http://schemas.microsoft.com/office/drawing/2010/main" w="12700" cap="flat" cmpd="sng" algn="ctr">
+                <a:solidFill>
+                  <a:schemeClr val="accent1">
+                    <a:shade val="50000"/>
+                  </a:schemeClr>
+                </a:solidFill>
+                <a:prstDash val="solid"/>
+                <a:miter lim="800000"/>
+              </a14:hiddenLine>
+            </a:ext>
+          </a:extLst>
+        </p:spPr>
+        <p:style>
+          <a:lnRef idx="2">
+            <a:schemeClr val="accent1">
+              <a:shade val="50000"/>
+            </a:schemeClr>
+          </a:lnRef>
+          <a:fillRef idx="1">
+            <a:schemeClr val="accent1"/>
+          </a:fillRef>
+          <a:effectRef idx="0">
+            <a:schemeClr val="accent1"/>
+          </a:effectRef>
+          <a:fontRef idx="minor">
+            <a:schemeClr val="lt1"/>
+          </a:fontRef>
+        </p:style>
+        <p:txBody>
+          <a:bodyPr rtlCol="0" anchor="ctr"/>
+          <a:lstStyle/>
+          <a:p>
+            <a:pPr algn="ctr"/>
+            <a:endParaRPr lang="en-US"/>
+          </a:p>
+        </p:txBody>
+      </p:sp>
+      <p:sp>
+        <p:nvSpPr>
+          <p:cNvPr id="20" name="Rectangle 19">
+            <a:extLst>
+              <a:ext uri="{FF2B5EF4-FFF2-40B4-BE49-F238E27FC236}">
+                <a16:creationId xmlns:a16="http://schemas.microsoft.com/office/drawing/2014/main" id="{53CF6D67-C5A8-4ADD-9E8E-1E38CA1D3166}"/>
+              </a:ext>
+              <a:ext uri="{C183D7F6-B498-43B3-948B-1728B52AA6E4}">
+                <adec:decorative xmlns:adec="http://schemas.microsoft.com/office/drawing/2017/decorative" val="1"/>
+              </a:ext>
+            </a:extLst>
+          </p:cNvPr>
+          <p:cNvSpPr>
+            <a:spLocks noGrp="1" noRot="1" noChangeAspect="1" noMove="1" noResize="1" noEditPoints="1" noAdjustHandles="1" noChangeArrowheads="1" noChangeShapeType="1" noTextEdit="1"/>
+          </p:cNvSpPr>
+          <p:nvPr>
+            <p:extLst>
+              <p:ext uri="{386F3935-93C4-4BCD-93E2-E3B085C9AB24}">
+                <p16:designElem xmlns:p16="http://schemas.microsoft.com/office/powerpoint/2015/main" val="1"/>
+              </p:ext>
+            </p:extLst>
+          </p:nvPr>
+        </p:nvSpPr>
+        <p:spPr>
+          <a:xfrm rot="5400000" flipH="1">
+            <a:off x="-638515" y="639280"/>
+            <a:ext cx="6858000" cy="5579440"/>
+          </a:xfrm>
+          <a:prstGeom prst="rect">
+            <a:avLst/>
+          </a:prstGeom>
+          <a:gradFill>
+            <a:gsLst>
+              <a:gs pos="8000">
+                <a:srgbClr val="000000"/>
+              </a:gs>
+              <a:gs pos="100000">
+                <a:schemeClr val="accent1">
+                  <a:lumMod val="75000"/>
+                </a:schemeClr>
+              </a:gs>
+            </a:gsLst>
+            <a:lin ang="3000000" scaled="0"/>
+          </a:gradFill>
+          <a:ln>
+            <a:noFill/>
+          </a:ln>
+        </p:spPr>
+        <p:style>
+          <a:lnRef idx="2">
+            <a:schemeClr val="accent1">
+              <a:shade val="50000"/>
+            </a:schemeClr>
+          </a:lnRef>
+          <a:fillRef idx="1">
+            <a:schemeClr val="accent1"/>
+          </a:fillRef>
+          <a:effectRef idx="0">
+            <a:schemeClr val="accent1"/>
+          </a:effectRef>
+          <a:fontRef idx="minor">
+            <a:schemeClr val="lt1"/>
+          </a:fontRef>
+        </p:style>
+        <p:txBody>
+          <a:bodyPr rtlCol="0" anchor="ctr"/>
+          <a:lstStyle/>
+          <a:p>
+            <a:pPr algn="ctr"/>
+            <a:endParaRPr lang="en-US"/>
+          </a:p>
+        </p:txBody>
+      </p:sp>
+      <p:sp>
+        <p:nvSpPr>
+          <p:cNvPr id="21" name="Rectangle 20">
+            <a:extLst>
+              <a:ext uri="{FF2B5EF4-FFF2-40B4-BE49-F238E27FC236}">
+                <a16:creationId xmlns:a16="http://schemas.microsoft.com/office/drawing/2014/main" id="{86909FA0-B515-4681-B7A8-FA281D133B94}"/>
+              </a:ext>
+              <a:ext uri="{C183D7F6-B498-43B3-948B-1728B52AA6E4}">
+                <adec:decorative xmlns:adec="http://schemas.microsoft.com/office/drawing/2017/decorative" val="1"/>
+              </a:ext>
+            </a:extLst>
+          </p:cNvPr>
+          <p:cNvSpPr>
+            <a:spLocks noGrp="1" noRot="1" noChangeAspect="1" noMove="1" noResize="1" noEditPoints="1" noAdjustHandles="1" noChangeArrowheads="1" noChangeShapeType="1" noTextEdit="1"/>
+          </p:cNvSpPr>
+          <p:nvPr>
+            <p:extLst>
+              <p:ext uri="{386F3935-93C4-4BCD-93E2-E3B085C9AB24}">
+                <p16:designElem xmlns:p16="http://schemas.microsoft.com/office/powerpoint/2015/main" val="1"/>
+              </p:ext>
+            </p:extLst>
+          </p:nvPr>
+        </p:nvSpPr>
+        <p:spPr>
+          <a:xfrm rot="5400000" flipH="1">
+            <a:off x="-393206" y="395206"/>
+            <a:ext cx="6346209" cy="5576080"/>
+          </a:xfrm>
+          <a:prstGeom prst="rect">
+            <a:avLst/>
+          </a:prstGeom>
+          <a:gradFill>
+            <a:gsLst>
+              <a:gs pos="0">
+                <a:srgbClr val="000000">
+                  <a:alpha val="0"/>
+                </a:srgbClr>
+              </a:gs>
+              <a:gs pos="99000">
+                <a:schemeClr val="accent1">
+                  <a:alpha val="0"/>
+                </a:schemeClr>
+              </a:gs>
+            </a:gsLst>
+            <a:lin ang="1800000" scaled="0"/>
+          </a:gradFill>
+          <a:ln>
+            <a:noFill/>
+          </a:ln>
+        </p:spPr>
+        <p:style>
+          <a:lnRef idx="2">
+            <a:schemeClr val="accent1">
+              <a:shade val="50000"/>
+            </a:schemeClr>
+          </a:lnRef>
+          <a:fillRef idx="1">
+            <a:schemeClr val="accent1"/>
+          </a:fillRef>
+          <a:effectRef idx="0">
+            <a:schemeClr val="accent1"/>
+          </a:effectRef>
+          <a:fontRef idx="minor">
+            <a:schemeClr val="lt1"/>
+          </a:fontRef>
+        </p:style>
+        <p:txBody>
+          <a:bodyPr rtlCol="0" anchor="ctr"/>
+          <a:lstStyle/>
+          <a:p>
+            <a:pPr algn="ctr"/>
+            <a:endParaRPr lang="en-US"/>
+          </a:p>
+        </p:txBody>
+      </p:sp>
+      <p:sp>
+        <p:nvSpPr>
+          <p:cNvPr id="22" name="Rectangle 21">
+            <a:extLst>
+              <a:ext uri="{FF2B5EF4-FFF2-40B4-BE49-F238E27FC236}">
+                <a16:creationId xmlns:a16="http://schemas.microsoft.com/office/drawing/2014/main" id="{21C9FE86-FCC3-4A31-AA1C-C882262B7FE7}"/>
+              </a:ext>
+              <a:ext uri="{C183D7F6-B498-43B3-948B-1728B52AA6E4}">
+                <adec:decorative xmlns:adec="http://schemas.microsoft.com/office/drawing/2017/decorative" val="1"/>
+              </a:ext>
+            </a:extLst>
+          </p:cNvPr>
+          <p:cNvSpPr>
+            <a:spLocks noGrp="1" noRot="1" noChangeAspect="1" noMove="1" noResize="1" noEditPoints="1" noAdjustHandles="1" noChangeArrowheads="1" noChangeShapeType="1" noTextEdit="1"/>
+          </p:cNvSpPr>
+          <p:nvPr>
+            <p:extLst>
+              <p:ext uri="{386F3935-93C4-4BCD-93E2-E3B085C9AB24}">
+                <p16:designElem xmlns:p16="http://schemas.microsoft.com/office/powerpoint/2015/main" val="1"/>
+              </p:ext>
+            </p:extLst>
+          </p:nvPr>
+        </p:nvSpPr>
+        <p:spPr>
+          <a:xfrm rot="5400000" flipH="1">
+            <a:off x="1528907" y="2818967"/>
+            <a:ext cx="2501979" cy="5576080"/>
+          </a:xfrm>
+          <a:prstGeom prst="rect">
+            <a:avLst/>
+          </a:prstGeom>
+          <a:gradFill>
+            <a:gsLst>
+              <a:gs pos="2000">
+                <a:schemeClr val="accent1">
+                  <a:alpha val="29000"/>
+                </a:schemeClr>
+              </a:gs>
+              <a:gs pos="100000">
+                <a:srgbClr val="000000">
+                  <a:alpha val="30000"/>
+                </a:srgbClr>
+              </a:gs>
+            </a:gsLst>
+            <a:lin ang="7800000" scaled="0"/>
+          </a:gradFill>
+          <a:ln>
+            <a:noFill/>
+          </a:ln>
+        </p:spPr>
+        <p:style>
+          <a:lnRef idx="2">
+            <a:schemeClr val="accent1">
+              <a:shade val="50000"/>
+            </a:schemeClr>
+          </a:lnRef>
+          <a:fillRef idx="1">
+            <a:schemeClr val="accent1"/>
+          </a:fillRef>
+          <a:effectRef idx="0">
+            <a:schemeClr val="accent1"/>
+          </a:effectRef>
+          <a:fontRef idx="minor">
+            <a:schemeClr val="lt1"/>
+          </a:fontRef>
+        </p:style>
+        <p:txBody>
+          <a:bodyPr rtlCol="0" anchor="ctr"/>
+          <a:lstStyle/>
+          <a:p>
+            <a:pPr algn="ctr"/>
+            <a:endParaRPr lang="en-US" dirty="0"/>
+          </a:p>
+        </p:txBody>
+      </p:sp>
+      <p:sp>
+        <p:nvSpPr>
+          <p:cNvPr id="23" name="Rectangle 22">
+            <a:extLst>
+              <a:ext uri="{FF2B5EF4-FFF2-40B4-BE49-F238E27FC236}">
+                <a16:creationId xmlns:a16="http://schemas.microsoft.com/office/drawing/2014/main" id="{7D96243B-ECED-4B71-8E06-AE9A285EAD20}"/>
+              </a:ext>
+              <a:ext uri="{C183D7F6-B498-43B3-948B-1728B52AA6E4}">
+                <adec:decorative xmlns:adec="http://schemas.microsoft.com/office/drawing/2017/decorative" val="1"/>
+              </a:ext>
+            </a:extLst>
+          </p:cNvPr>
+          <p:cNvSpPr>
+            <a:spLocks noGrp="1" noRot="1" noChangeAspect="1" noMove="1" noResize="1" noEditPoints="1" noAdjustHandles="1" noChangeArrowheads="1" noChangeShapeType="1" noTextEdit="1"/>
+          </p:cNvSpPr>
+          <p:nvPr>
+            <p:extLst>
+              <p:ext uri="{386F3935-93C4-4BCD-93E2-E3B085C9AB24}">
+                <p16:designElem xmlns:p16="http://schemas.microsoft.com/office/powerpoint/2015/main" val="1"/>
+              </p:ext>
+            </p:extLst>
+          </p:nvPr>
+        </p:nvSpPr>
+        <p:spPr>
+          <a:xfrm rot="5400000" flipH="1">
+            <a:off x="-425002" y="852793"/>
+            <a:ext cx="6858001" cy="5152412"/>
+          </a:xfrm>
+          <a:prstGeom prst="rect">
+            <a:avLst/>
+          </a:prstGeom>
+          <a:gradFill>
+            <a:gsLst>
+              <a:gs pos="0">
+                <a:srgbClr val="000000">
+                  <a:alpha val="0"/>
+                </a:srgbClr>
+              </a:gs>
+              <a:gs pos="99000">
+                <a:schemeClr val="accent1">
+                  <a:alpha val="11000"/>
+                </a:schemeClr>
+              </a:gs>
+            </a:gsLst>
+            <a:lin ang="7800000" scaled="0"/>
+          </a:gradFill>
+          <a:ln>
+            <a:noFill/>
+          </a:ln>
+        </p:spPr>
+        <p:style>
+          <a:lnRef idx="2">
+            <a:schemeClr val="accent1">
+              <a:shade val="50000"/>
+            </a:schemeClr>
+          </a:lnRef>
+          <a:fillRef idx="1">
+            <a:schemeClr val="accent1"/>
+          </a:fillRef>
+          <a:effectRef idx="0">
+            <a:schemeClr val="accent1"/>
+          </a:effectRef>
+          <a:fontRef idx="minor">
+            <a:schemeClr val="lt1"/>
+          </a:fontRef>
+        </p:style>
+        <p:txBody>
+          <a:bodyPr rtlCol="0" anchor="ctr"/>
+          <a:lstStyle/>
+          <a:p>
+            <a:pPr algn="ctr"/>
+            <a:endParaRPr lang="en-US"/>
+          </a:p>
+        </p:txBody>
+      </p:sp>
+      <p:sp>
+        <p:nvSpPr>
+          <p:cNvPr id="18" name="Oval 17">
+            <a:extLst>
+              <a:ext uri="{FF2B5EF4-FFF2-40B4-BE49-F238E27FC236}">
+                <a16:creationId xmlns:a16="http://schemas.microsoft.com/office/drawing/2014/main" id="{A09989E4-EFDC-4A90-A633-E0525FB4139E}"/>
+              </a:ext>
+              <a:ext uri="{C183D7F6-B498-43B3-948B-1728B52AA6E4}">
+                <adec:decorative xmlns:adec="http://schemas.microsoft.com/office/drawing/2017/decorative" val="1"/>
+              </a:ext>
+            </a:extLst>
+          </p:cNvPr>
+          <p:cNvSpPr>
+            <a:spLocks noGrp="1" noRot="1" noChangeAspect="1" noMove="1" noResize="1" noEditPoints="1" noAdjustHandles="1" noChangeArrowheads="1" noChangeShapeType="1" noTextEdit="1"/>
+          </p:cNvSpPr>
+          <p:nvPr>
+            <p:extLst>
+              <p:ext uri="{386F3935-93C4-4BCD-93E2-E3B085C9AB24}">
+                <p16:designElem xmlns:p16="http://schemas.microsoft.com/office/powerpoint/2015/main" val="1"/>
+              </p:ext>
+            </p:extLst>
+          </p:nvPr>
+        </p:nvSpPr>
+        <p:spPr>
+          <a:xfrm rot="6097846">
+            <a:off x="818753" y="1128497"/>
+            <a:ext cx="4318303" cy="4318303"/>
+          </a:xfrm>
+          <a:prstGeom prst="ellipse">
+            <a:avLst/>
+          </a:prstGeom>
+          <a:gradFill>
+            <a:gsLst>
+              <a:gs pos="39000">
+                <a:schemeClr val="accent1">
+                  <a:alpha val="0"/>
+                </a:schemeClr>
+              </a:gs>
+              <a:gs pos="100000">
+                <a:schemeClr val="accent1">
+                  <a:lumMod val="60000"/>
+                  <a:lumOff val="40000"/>
+                  <a:alpha val="15000"/>
+                </a:schemeClr>
+              </a:gs>
+            </a:gsLst>
+            <a:lin ang="17400000" scaled="0"/>
+          </a:gradFill>
+          <a:ln>
+            <a:noFill/>
+          </a:ln>
+        </p:spPr>
+        <p:style>
+          <a:lnRef idx="2">
+            <a:schemeClr val="accent1">
+              <a:shade val="50000"/>
+            </a:schemeClr>
+          </a:lnRef>
+          <a:fillRef idx="1">
+            <a:schemeClr val="accent1"/>
+          </a:fillRef>
+          <a:effectRef idx="0">
+            <a:schemeClr val="accent1"/>
+          </a:effectRef>
+          <a:fontRef idx="minor">
+            <a:schemeClr val="lt1"/>
+          </a:fontRef>
+        </p:style>
+        <p:txBody>
+          <a:bodyPr rtlCol="0" anchor="ctr"/>
+          <a:lstStyle/>
+          <a:p>
+            <a:pPr algn="ctr"/>
+            <a:endParaRPr lang="en-US" dirty="0"/>
+          </a:p>
+        </p:txBody>
+      </p:sp>
+      <p:sp>
+        <p:nvSpPr>
+          <p:cNvPr id="2" name="Title 1">
+            <a:extLst>
+              <a:ext uri="{FF2B5EF4-FFF2-40B4-BE49-F238E27FC236}">
+                <a16:creationId xmlns:a16="http://schemas.microsoft.com/office/drawing/2014/main" id="{85B3848B-6F1D-0A75-2711-C34D50DDA6BB}"/>
+              </a:ext>
+            </a:extLst>
+          </p:cNvPr>
+          <p:cNvSpPr>
+            <a:spLocks noGrp="1"/>
+          </p:cNvSpPr>
+          <p:nvPr>
+            <p:ph type="title"/>
+          </p:nvPr>
+        </p:nvSpPr>
+        <p:spPr>
+          <a:xfrm>
+            <a:off x="826396" y="586855"/>
+            <a:ext cx="4230100" cy="3387497"/>
+          </a:xfrm>
+        </p:spPr>
+        <p:txBody>
+          <a:bodyPr anchor="b">
+            <a:normAutofit/>
+          </a:bodyPr>
+          <a:lstStyle/>
+          <a:p>
+            <a:pPr algn="r"/>
+            <a:r>
+              <a:rPr lang="es-AR" sz="4000" dirty="0" err="1">
+                <a:solidFill>
+                  <a:srgbClr val="FFFFFF"/>
+                </a:solidFill>
+              </a:rPr>
+              <a:t>Comparison</a:t>
+            </a:r>
+            <a:r>
+              <a:rPr lang="es-AR" sz="4000" dirty="0">
+                <a:solidFill>
+                  <a:srgbClr val="FFFFFF"/>
+                </a:solidFill>
+              </a:rPr>
+              <a:t> </a:t>
+            </a:r>
+            <a:r>
+              <a:rPr lang="es-AR" sz="4000" dirty="0" err="1">
+                <a:solidFill>
+                  <a:srgbClr val="FFFFFF"/>
+                </a:solidFill>
+              </a:rPr>
+              <a:t>between</a:t>
+            </a:r>
+            <a:r>
+              <a:rPr lang="es-AR" sz="4000" dirty="0">
+                <a:solidFill>
+                  <a:srgbClr val="FFFFFF"/>
+                </a:solidFill>
+              </a:rPr>
+              <a:t> CPI </a:t>
+            </a:r>
+            <a:r>
+              <a:rPr lang="es-AR" sz="4000" dirty="0" err="1">
+                <a:solidFill>
+                  <a:srgbClr val="FFFFFF"/>
+                </a:solidFill>
+              </a:rPr>
+              <a:t>an</a:t>
+            </a:r>
+            <a:r>
+              <a:rPr lang="es-AR" sz="4000" dirty="0">
+                <a:solidFill>
+                  <a:srgbClr val="FFFFFF"/>
+                </a:solidFill>
+              </a:rPr>
+              <a:t> </a:t>
+            </a:r>
+            <a:r>
+              <a:rPr lang="es-AR" sz="4000" dirty="0" err="1">
+                <a:solidFill>
+                  <a:srgbClr val="FFFFFF"/>
+                </a:solidFill>
+              </a:rPr>
+              <a:t>average</a:t>
+            </a:r>
+            <a:r>
+              <a:rPr lang="es-AR" sz="4000" dirty="0">
+                <a:solidFill>
+                  <a:srgbClr val="FFFFFF"/>
+                </a:solidFill>
+              </a:rPr>
+              <a:t> </a:t>
+            </a:r>
+            <a:r>
+              <a:rPr lang="es-AR" sz="4000" dirty="0" err="1">
+                <a:solidFill>
+                  <a:srgbClr val="FFFFFF"/>
+                </a:solidFill>
+              </a:rPr>
+              <a:t>inflation</a:t>
+            </a:r>
+            <a:endParaRPr lang="es-AR" sz="4000" dirty="0">
+              <a:solidFill>
+                <a:srgbClr val="FFFFFF"/>
+              </a:solidFill>
+            </a:endParaRPr>
+          </a:p>
+        </p:txBody>
+      </p:sp>
+      <p:pic>
+        <p:nvPicPr>
+          <p:cNvPr id="6" name="Content Placeholder 5">
+            <a:extLst>
+              <a:ext uri="{FF2B5EF4-FFF2-40B4-BE49-F238E27FC236}">
+                <a16:creationId xmlns:a16="http://schemas.microsoft.com/office/drawing/2014/main" id="{60E82872-E12C-7307-6779-B51BFFD31DB1}"/>
+              </a:ext>
+            </a:extLst>
+          </p:cNvPr>
+          <p:cNvPicPr>
+            <a:picLocks noGrp="1" noChangeAspect="1"/>
+          </p:cNvPicPr>
+          <p:nvPr>
+            <p:ph idx="1"/>
+          </p:nvPr>
+        </p:nvPicPr>
+        <p:blipFill>
+          <a:blip r:embed="rId3"/>
+          <a:stretch>
+            <a:fillRect/>
+          </a:stretch>
+        </p:blipFill>
+        <p:spPr>
+          <a:xfrm>
+            <a:off x="6502400" y="1722685"/>
+            <a:ext cx="4862513" cy="3399930"/>
+          </a:xfrm>
+        </p:spPr>
+      </p:pic>
+    </p:spTree>
+    <p:extLst>
+      <p:ext uri="{BB962C8B-B14F-4D97-AF65-F5344CB8AC3E}">
+        <p14:creationId xmlns:p14="http://schemas.microsoft.com/office/powerpoint/2010/main" val="818642685"/>
+      </p:ext>
+    </p:extLst>
+  </p:cSld>
+  <p:clrMapOvr>
+    <a:masterClrMapping/>
+  </p:clrMapOvr>
+</p:sld>
+</file>
+
+<file path=ppt/slides/slide11.xml><?xml version="1.0" encoding="utf-8"?>
+<p:sld xmlns:a="http://schemas.openxmlformats.org/drawingml/2006/main" xmlns:r="http://schemas.openxmlformats.org/officeDocument/2006/relationships" xmlns:p="http://schemas.openxmlformats.org/presentationml/2006/main">
+  <p:cSld>
+    <p:bg>
+      <p:bgPr>
+        <a:solidFill>
+          <a:schemeClr val="bg1"/>
+        </a:solidFill>
+        <a:effectLst/>
+      </p:bgPr>
+    </p:bg>
+    <p:spTree>
+      <p:nvGrpSpPr>
+        <p:cNvPr id="1" name=""/>
+        <p:cNvGrpSpPr/>
+        <p:nvPr/>
+      </p:nvGrpSpPr>
+      <p:grpSpPr>
+        <a:xfrm>
+          <a:off x="0" y="0"/>
+          <a:ext cx="0" cy="0"/>
+          <a:chOff x="0" y="0"/>
+          <a:chExt cx="0" cy="0"/>
+        </a:xfrm>
+      </p:grpSpPr>
+      <p:sp useBgFill="1">
+        <p:nvSpPr>
+          <p:cNvPr id="9" name="Rectangle 8">
+            <a:extLst>
+              <a:ext uri="{FF2B5EF4-FFF2-40B4-BE49-F238E27FC236}">
+                <a16:creationId xmlns:a16="http://schemas.microsoft.com/office/drawing/2014/main" id="{9203DE33-2CD4-4CA8-9AF3-37C3B65133B0}"/>
+              </a:ext>
+              <a:ext uri="{C183D7F6-B498-43B3-948B-1728B52AA6E4}">
+                <adec:decorative xmlns:adec="http://schemas.microsoft.com/office/drawing/2017/decorative" val="1"/>
+              </a:ext>
+            </a:extLst>
+          </p:cNvPr>
+          <p:cNvSpPr>
+            <a:spLocks noGrp="1" noRot="1" noChangeAspect="1" noMove="1" noResize="1" noEditPoints="1" noAdjustHandles="1" noChangeArrowheads="1" noChangeShapeType="1" noTextEdit="1"/>
+          </p:cNvSpPr>
+          <p:nvPr>
+            <p:extLst>
+              <p:ext uri="{386F3935-93C4-4BCD-93E2-E3B085C9AB24}">
+                <p16:designElem xmlns:p16="http://schemas.microsoft.com/office/powerpoint/2015/main" val="1"/>
+              </p:ext>
+            </p:extLst>
+          </p:nvPr>
+        </p:nvSpPr>
+        <p:spPr>
+          <a:xfrm>
+            <a:off x="0" y="2"/>
+            <a:ext cx="12192000" cy="6857997"/>
+          </a:xfrm>
+          <a:prstGeom prst="rect">
+            <a:avLst/>
+          </a:prstGeom>
+          <a:ln>
+            <a:noFill/>
+          </a:ln>
+        </p:spPr>
+        <p:style>
+          <a:lnRef idx="2">
+            <a:schemeClr val="accent1">
+              <a:shade val="50000"/>
+            </a:schemeClr>
+          </a:lnRef>
+          <a:fillRef idx="1">
+            <a:schemeClr val="accent1"/>
+          </a:fillRef>
+          <a:effectRef idx="0">
+            <a:schemeClr val="accent1"/>
+          </a:effectRef>
+          <a:fontRef idx="minor">
+            <a:schemeClr val="lt1"/>
+          </a:fontRef>
+        </p:style>
+        <p:txBody>
+          <a:bodyPr rtlCol="0" anchor="ctr"/>
+          <a:lstStyle/>
+          <a:p>
+            <a:pPr algn="ctr"/>
+            <a:endParaRPr lang="en-US"/>
+          </a:p>
+        </p:txBody>
+      </p:sp>
+      <p:sp>
+        <p:nvSpPr>
+          <p:cNvPr id="11" name="Rectangle 10">
+            <a:extLst>
+              <a:ext uri="{FF2B5EF4-FFF2-40B4-BE49-F238E27FC236}">
+                <a16:creationId xmlns:a16="http://schemas.microsoft.com/office/drawing/2014/main" id="{0AF57B88-1D4C-41FA-A761-EC1DD10C35CB}"/>
+              </a:ext>
+              <a:ext uri="{C183D7F6-B498-43B3-948B-1728B52AA6E4}">
+                <adec:decorative xmlns:adec="http://schemas.microsoft.com/office/drawing/2017/decorative" val="1"/>
+              </a:ext>
+            </a:extLst>
+          </p:cNvPr>
+          <p:cNvSpPr>
+            <a:spLocks noGrp="1" noRot="1" noChangeAspect="1" noMove="1" noResize="1" noEditPoints="1" noAdjustHandles="1" noChangeArrowheads="1" noChangeShapeType="1" noTextEdit="1"/>
+          </p:cNvSpPr>
+          <p:nvPr>
+            <p:extLst>
+              <p:ext uri="{386F3935-93C4-4BCD-93E2-E3B085C9AB24}">
+                <p16:designElem xmlns:p16="http://schemas.microsoft.com/office/powerpoint/2015/main" val="1"/>
+              </p:ext>
+            </p:extLst>
+          </p:nvPr>
+        </p:nvSpPr>
+        <p:spPr>
+          <a:xfrm rot="5400000" flipH="1">
+            <a:off x="-1417539" y="1417538"/>
+            <a:ext cx="6875818" cy="4040744"/>
+          </a:xfrm>
+          <a:prstGeom prst="rect">
+            <a:avLst/>
+          </a:prstGeom>
+          <a:gradFill>
+            <a:gsLst>
+              <a:gs pos="11000">
+                <a:srgbClr val="000000"/>
+              </a:gs>
+              <a:gs pos="100000">
+                <a:schemeClr val="accent1">
+                  <a:lumMod val="75000"/>
+                </a:schemeClr>
+              </a:gs>
+            </a:gsLst>
+            <a:lin ang="18600000" scaled="0"/>
+          </a:gradFill>
+          <a:ln>
+            <a:noFill/>
+          </a:ln>
+        </p:spPr>
+        <p:style>
+          <a:lnRef idx="2">
+            <a:schemeClr val="accent1">
+              <a:shade val="50000"/>
+            </a:schemeClr>
+          </a:lnRef>
+          <a:fillRef idx="1">
+            <a:schemeClr val="accent1"/>
+          </a:fillRef>
+          <a:effectRef idx="0">
+            <a:schemeClr val="accent1"/>
+          </a:effectRef>
+          <a:fontRef idx="minor">
+            <a:schemeClr val="lt1"/>
+          </a:fontRef>
+        </p:style>
+        <p:txBody>
+          <a:bodyPr rtlCol="0" anchor="ctr"/>
+          <a:lstStyle/>
+          <a:p>
+            <a:pPr algn="ctr"/>
+            <a:endParaRPr lang="en-US" dirty="0"/>
+          </a:p>
+        </p:txBody>
+      </p:sp>
+      <p:sp>
+        <p:nvSpPr>
+          <p:cNvPr id="13" name="Rectangle 12">
+            <a:extLst>
+              <a:ext uri="{FF2B5EF4-FFF2-40B4-BE49-F238E27FC236}">
+                <a16:creationId xmlns:a16="http://schemas.microsoft.com/office/drawing/2014/main" id="{D2548F45-5164-4ABB-8212-7F293FDED8D4}"/>
+              </a:ext>
+              <a:ext uri="{C183D7F6-B498-43B3-948B-1728B52AA6E4}">
+                <adec:decorative xmlns:adec="http://schemas.microsoft.com/office/drawing/2017/decorative" val="1"/>
+              </a:ext>
+            </a:extLst>
+          </p:cNvPr>
+          <p:cNvSpPr>
+            <a:spLocks noGrp="1" noRot="1" noChangeAspect="1" noMove="1" noResize="1" noEditPoints="1" noAdjustHandles="1" noChangeArrowheads="1" noChangeShapeType="1" noTextEdit="1"/>
+          </p:cNvSpPr>
+          <p:nvPr>
+            <p:extLst>
+              <p:ext uri="{386F3935-93C4-4BCD-93E2-E3B085C9AB24}">
+                <p16:designElem xmlns:p16="http://schemas.microsoft.com/office/powerpoint/2015/main" val="1"/>
+              </p:ext>
+            </p:extLst>
+          </p:nvPr>
+        </p:nvSpPr>
+        <p:spPr>
+          <a:xfrm rot="16200000">
+            <a:off x="-159565" y="2659404"/>
+            <a:ext cx="4355594" cy="4040742"/>
+          </a:xfrm>
+          <a:prstGeom prst="rect">
+            <a:avLst/>
+          </a:prstGeom>
+          <a:gradFill>
+            <a:gsLst>
+              <a:gs pos="0">
+                <a:schemeClr val="accent1">
+                  <a:alpha val="50000"/>
+                </a:schemeClr>
+              </a:gs>
+              <a:gs pos="100000">
+                <a:schemeClr val="accent1">
+                  <a:lumMod val="50000"/>
+                  <a:alpha val="0"/>
+                </a:schemeClr>
+              </a:gs>
+            </a:gsLst>
+            <a:lin ang="11400000" scaled="0"/>
+          </a:gradFill>
+          <a:ln>
+            <a:noFill/>
+          </a:ln>
+        </p:spPr>
+        <p:style>
+          <a:lnRef idx="2">
+            <a:schemeClr val="accent1">
+              <a:shade val="50000"/>
+            </a:schemeClr>
+          </a:lnRef>
+          <a:fillRef idx="1">
+            <a:schemeClr val="accent1"/>
+          </a:fillRef>
+          <a:effectRef idx="0">
+            <a:schemeClr val="accent1"/>
+          </a:effectRef>
+          <a:fontRef idx="minor">
+            <a:schemeClr val="lt1"/>
+          </a:fontRef>
+        </p:style>
+        <p:txBody>
+          <a:bodyPr rtlCol="0" anchor="ctr"/>
+          <a:lstStyle/>
+          <a:p>
+            <a:pPr algn="ctr"/>
+            <a:endParaRPr lang="en-US"/>
+          </a:p>
+        </p:txBody>
+      </p:sp>
+      <p:sp>
+        <p:nvSpPr>
+          <p:cNvPr id="15" name="Freeform: Shape 14">
+            <a:extLst>
+              <a:ext uri="{FF2B5EF4-FFF2-40B4-BE49-F238E27FC236}">
+                <a16:creationId xmlns:a16="http://schemas.microsoft.com/office/drawing/2014/main" id="{5E81CCFB-7BEF-4186-86FB-D09450B4D02D}"/>
+              </a:ext>
+              <a:ext uri="{C183D7F6-B498-43B3-948B-1728B52AA6E4}">
+                <adec:decorative xmlns:adec="http://schemas.microsoft.com/office/drawing/2017/decorative" val="1"/>
+              </a:ext>
+            </a:extLst>
+          </p:cNvPr>
+          <p:cNvSpPr>
+            <a:spLocks noGrp="1" noRot="1" noChangeAspect="1" noMove="1" noResize="1" noEditPoints="1" noAdjustHandles="1" noChangeArrowheads="1" noChangeShapeType="1" noTextEdit="1"/>
+          </p:cNvSpPr>
+          <p:nvPr>
+            <p:extLst>
+              <p:ext uri="{386F3935-93C4-4BCD-93E2-E3B085C9AB24}">
+                <p16:designElem xmlns:p16="http://schemas.microsoft.com/office/powerpoint/2015/main" val="1"/>
+              </p:ext>
+            </p:extLst>
+          </p:nvPr>
+        </p:nvSpPr>
+        <p:spPr>
+          <a:xfrm rot="6097846">
+            <a:off x="-747355" y="1201312"/>
+            <a:ext cx="4808302" cy="4088666"/>
+          </a:xfrm>
+          <a:custGeom>
+            <a:avLst/>
+            <a:gdLst>
+              <a:gd name="connsiteX0" fmla="*/ 48844 w 4808302"/>
+              <a:gd name="connsiteY0" fmla="*/ 2888671 h 4088666"/>
+              <a:gd name="connsiteX1" fmla="*/ 0 w 4808302"/>
+              <a:gd name="connsiteY1" fmla="*/ 2404151 h 4088666"/>
+              <a:gd name="connsiteX2" fmla="*/ 2404151 w 4808302"/>
+              <a:gd name="connsiteY2" fmla="*/ 0 h 4088666"/>
+              <a:gd name="connsiteX3" fmla="*/ 4808302 w 4808302"/>
+              <a:gd name="connsiteY3" fmla="*/ 2404151 h 4088666"/>
+              <a:gd name="connsiteX4" fmla="*/ 4700216 w 4808302"/>
+              <a:gd name="connsiteY4" fmla="*/ 3119072 h 4088666"/>
+              <a:gd name="connsiteX5" fmla="*/ 4643143 w 4808302"/>
+              <a:gd name="connsiteY5" fmla="*/ 3275009 h 4088666"/>
+              <a:gd name="connsiteX6" fmla="*/ 690093 w 4808302"/>
+              <a:gd name="connsiteY6" fmla="*/ 4088666 h 4088666"/>
+              <a:gd name="connsiteX7" fmla="*/ 548991 w 4808302"/>
+              <a:gd name="connsiteY7" fmla="*/ 3933414 h 4088666"/>
+              <a:gd name="connsiteX8" fmla="*/ 48844 w 4808302"/>
+              <a:gd name="connsiteY8" fmla="*/ 2888671 h 4088666"/>
+            </a:gdLst>
+            <a:ahLst/>
+            <a:cxnLst>
+              <a:cxn ang="0">
+                <a:pos x="connsiteX0" y="connsiteY0"/>
+              </a:cxn>
+              <a:cxn ang="0">
+                <a:pos x="connsiteX1" y="connsiteY1"/>
+              </a:cxn>
+              <a:cxn ang="0">
+                <a:pos x="connsiteX2" y="connsiteY2"/>
+              </a:cxn>
+              <a:cxn ang="0">
+                <a:pos x="connsiteX3" y="connsiteY3"/>
+              </a:cxn>
+              <a:cxn ang="0">
+                <a:pos x="connsiteX4" y="connsiteY4"/>
+              </a:cxn>
+              <a:cxn ang="0">
+                <a:pos x="connsiteX5" y="connsiteY5"/>
+              </a:cxn>
+              <a:cxn ang="0">
+                <a:pos x="connsiteX6" y="connsiteY6"/>
+              </a:cxn>
+              <a:cxn ang="0">
+                <a:pos x="connsiteX7" y="connsiteY7"/>
+              </a:cxn>
+              <a:cxn ang="0">
+                <a:pos x="connsiteX8" y="connsiteY8"/>
+              </a:cxn>
+            </a:cxnLst>
+            <a:rect l="l" t="t" r="r" b="b"/>
+            <a:pathLst>
+              <a:path w="4808302" h="4088666">
+                <a:moveTo>
+                  <a:pt x="48844" y="2888671"/>
+                </a:moveTo>
+                <a:cubicBezTo>
+                  <a:pt x="16818" y="2732167"/>
+                  <a:pt x="0" y="2570123"/>
+                  <a:pt x="0" y="2404151"/>
+                </a:cubicBezTo>
+                <a:cubicBezTo>
+                  <a:pt x="0" y="1076375"/>
+                  <a:pt x="1076375" y="0"/>
+                  <a:pt x="2404151" y="0"/>
+                </a:cubicBezTo>
+                <a:cubicBezTo>
+                  <a:pt x="3731927" y="0"/>
+                  <a:pt x="4808302" y="1076375"/>
+                  <a:pt x="4808302" y="2404151"/>
+                </a:cubicBezTo>
+                <a:cubicBezTo>
+                  <a:pt x="4808302" y="2653109"/>
+                  <a:pt x="4770461" y="2893229"/>
+                  <a:pt x="4700216" y="3119072"/>
+                </a:cubicBezTo>
+                <a:lnTo>
+                  <a:pt x="4643143" y="3275009"/>
+                </a:lnTo>
+                <a:lnTo>
+                  <a:pt x="690093" y="4088666"/>
+                </a:lnTo>
+                <a:lnTo>
+                  <a:pt x="548991" y="3933414"/>
+                </a:lnTo>
+                <a:cubicBezTo>
+                  <a:pt x="304015" y="3636572"/>
+                  <a:pt x="128908" y="3279932"/>
+                  <a:pt x="48844" y="2888671"/>
+                </a:cubicBezTo>
+                <a:close/>
+              </a:path>
+            </a:pathLst>
+          </a:custGeom>
+          <a:gradFill>
+            <a:gsLst>
+              <a:gs pos="39000">
+                <a:schemeClr val="accent1">
+                  <a:lumMod val="60000"/>
+                  <a:lumOff val="40000"/>
+                  <a:alpha val="0"/>
+                </a:schemeClr>
+              </a:gs>
+              <a:gs pos="100000">
+                <a:schemeClr val="accent1">
+                  <a:lumMod val="75000"/>
+                  <a:alpha val="26000"/>
+                </a:schemeClr>
+              </a:gs>
+            </a:gsLst>
+            <a:lin ang="16800000" scaled="0"/>
+          </a:gradFill>
+          <a:ln>
+            <a:noFill/>
+          </a:ln>
+        </p:spPr>
+        <p:style>
+          <a:lnRef idx="2">
+            <a:schemeClr val="accent1">
+              <a:shade val="50000"/>
+            </a:schemeClr>
+          </a:lnRef>
+          <a:fillRef idx="1">
+            <a:schemeClr val="accent1"/>
+          </a:fillRef>
+          <a:effectRef idx="0">
+            <a:schemeClr val="accent1"/>
+          </a:effectRef>
+          <a:fontRef idx="minor">
+            <a:schemeClr val="lt1"/>
+          </a:fontRef>
+        </p:style>
+        <p:txBody>
+          <a:bodyPr wrap="square" rtlCol="0" anchor="ctr">
+            <a:noAutofit/>
+          </a:bodyPr>
+          <a:lstStyle/>
+          <a:p>
+            <a:pPr algn="ctr"/>
+            <a:endParaRPr lang="en-US" dirty="0"/>
+          </a:p>
+        </p:txBody>
+      </p:sp>
+      <p:sp>
+        <p:nvSpPr>
+          <p:cNvPr id="2" name="Title 1">
+            <a:extLst>
+              <a:ext uri="{FF2B5EF4-FFF2-40B4-BE49-F238E27FC236}">
+                <a16:creationId xmlns:a16="http://schemas.microsoft.com/office/drawing/2014/main" id="{ECEC9703-76BF-8FD6-A578-BA6B83370C33}"/>
+              </a:ext>
+            </a:extLst>
+          </p:cNvPr>
+          <p:cNvSpPr>
+            <a:spLocks noGrp="1"/>
+          </p:cNvSpPr>
+          <p:nvPr>
+            <p:ph type="title"/>
+          </p:nvPr>
+        </p:nvSpPr>
+        <p:spPr>
+          <a:xfrm>
+            <a:off x="534473" y="2950387"/>
+            <a:ext cx="3052293" cy="3531403"/>
+          </a:xfrm>
+        </p:spPr>
+        <p:txBody>
+          <a:bodyPr vert="horz" lIns="91440" tIns="45720" rIns="91440" bIns="45720" rtlCol="0" anchor="t">
+            <a:normAutofit/>
+          </a:bodyPr>
+          <a:lstStyle/>
+          <a:p>
+            <a:pPr algn="r"/>
+            <a:r>
+              <a:rPr lang="en-US" sz="4000">
+                <a:solidFill>
+                  <a:srgbClr val="FFFFFF"/>
+                </a:solidFill>
+              </a:rPr>
+              <a:t>Conclusion:</a:t>
+            </a:r>
+          </a:p>
+        </p:txBody>
+      </p:sp>
+    </p:spTree>
+    <p:extLst>
+      <p:ext uri="{BB962C8B-B14F-4D97-AF65-F5344CB8AC3E}">
+        <p14:creationId xmlns:p14="http://schemas.microsoft.com/office/powerpoint/2010/main" val="4188464772"/>
+      </p:ext>
+    </p:extLst>
+  </p:cSld>
+  <p:clrMapOvr>
+    <a:masterClrMapping/>
+  </p:clrMapOvr>
+</p:sld>
+</file>
+
+<file path=ppt/slides/slide12.xml><?xml version="1.0" encoding="utf-8"?>
 <p:sld xmlns:a="http://schemas.openxmlformats.org/drawingml/2006/main" xmlns:r="http://schemas.openxmlformats.org/officeDocument/2006/relationships" xmlns:p="http://schemas.openxmlformats.org/presentationml/2006/main">
   <p:cSld>
     <p:bg>
@@ -9554,7 +10648,7 @@
           <a:p>
             <a:pPr algn="r"/>
             <a:r>
-              <a:rPr lang="en-AU" sz="4000">
+              <a:rPr lang="en-AU" sz="4000" dirty="0">
                 <a:solidFill>
                   <a:srgbClr val="FFFFFF"/>
                 </a:solidFill>
@@ -9622,7 +10716,13 @@
     </p:bg>
     <p:spTree>
       <p:nvGrpSpPr>
-        <p:cNvPr id="1" name=""/>
+        <p:cNvPr id="1" name="">
+          <a:extLst>
+            <a:ext uri="{FF2B5EF4-FFF2-40B4-BE49-F238E27FC236}">
+              <a16:creationId xmlns:a16="http://schemas.microsoft.com/office/drawing/2014/main" id="{04026C44-BBBC-4E1D-D585-CBFC943EBAED}"/>
+            </a:ext>
+          </a:extLst>
+        </p:cNvPr>
         <p:cNvGrpSpPr/>
         <p:nvPr/>
       </p:nvGrpSpPr>
@@ -9636,10 +10736,10 @@
       </p:grpSpPr>
       <p:sp useBgFill="1">
         <p:nvSpPr>
-          <p:cNvPr id="9" name="Rectangle 8">
-            <a:extLst>
-              <a:ext uri="{FF2B5EF4-FFF2-40B4-BE49-F238E27FC236}">
-                <a16:creationId xmlns:a16="http://schemas.microsoft.com/office/drawing/2014/main" id="{9203DE33-2CD4-4CA8-9AF3-37C3B65133B0}"/>
+          <p:cNvPr id="19" name="Rectangle 18">
+            <a:extLst>
+              <a:ext uri="{FF2B5EF4-FFF2-40B4-BE49-F238E27FC236}">
+                <a16:creationId xmlns:a16="http://schemas.microsoft.com/office/drawing/2014/main" id="{A8384FB5-9ADC-4DDC-881B-597D56F5B15D}"/>
               </a:ext>
               <a:ext uri="{C183D7F6-B498-43B3-948B-1728B52AA6E4}">
                 <adec:decorative xmlns:adec="http://schemas.microsoft.com/office/drawing/2017/decorative" val="1"/>
@@ -9659,15 +10759,31 @@
         </p:nvSpPr>
         <p:spPr>
           <a:xfrm>
-            <a:off x="0" y="2"/>
-            <a:ext cx="12192000" cy="6857997"/>
+            <a:off x="0" y="0"/>
+            <a:ext cx="12192000" cy="6858000"/>
           </a:xfrm>
           <a:prstGeom prst="rect">
             <a:avLst/>
           </a:prstGeom>
-          <a:ln>
+          <a:ln w="12700" cap="flat" cmpd="sng" algn="ctr">
             <a:noFill/>
+            <a:prstDash val="solid"/>
+            <a:miter lim="800000"/>
           </a:ln>
+          <a:effectLst/>
+          <a:extLst>
+            <a:ext uri="{91240B29-F687-4F45-9708-019B960494DF}">
+              <a14:hiddenLine xmlns:a14="http://schemas.microsoft.com/office/drawing/2010/main" w="12700" cap="flat" cmpd="sng" algn="ctr">
+                <a:solidFill>
+                  <a:schemeClr val="accent1">
+                    <a:shade val="50000"/>
+                  </a:schemeClr>
+                </a:solidFill>
+                <a:prstDash val="solid"/>
+                <a:miter lim="800000"/>
+              </a14:hiddenLine>
+            </a:ext>
+          </a:extLst>
         </p:spPr>
         <p:style>
           <a:lnRef idx="2">
@@ -9696,10 +10812,10 @@
       </p:sp>
       <p:sp>
         <p:nvSpPr>
-          <p:cNvPr id="11" name="Rectangle 10">
-            <a:extLst>
-              <a:ext uri="{FF2B5EF4-FFF2-40B4-BE49-F238E27FC236}">
-                <a16:creationId xmlns:a16="http://schemas.microsoft.com/office/drawing/2014/main" id="{0AF57B88-1D4C-41FA-A761-EC1DD10C35CB}"/>
+          <p:cNvPr id="21" name="Rectangle 20">
+            <a:extLst>
+              <a:ext uri="{FF2B5EF4-FFF2-40B4-BE49-F238E27FC236}">
+                <a16:creationId xmlns:a16="http://schemas.microsoft.com/office/drawing/2014/main" id="{1199E1B1-A8C0-4FE8-A5A8-1CB41D69F857}"/>
               </a:ext>
               <a:ext uri="{C183D7F6-B498-43B3-948B-1728B52AA6E4}">
                 <adec:decorative xmlns:adec="http://schemas.microsoft.com/office/drawing/2017/decorative" val="1"/>
@@ -9718,17 +10834,19 @@
           </p:nvPr>
         </p:nvSpPr>
         <p:spPr>
-          <a:xfrm rot="5400000" flipH="1">
-            <a:off x="-1417539" y="1417538"/>
-            <a:ext cx="6875818" cy="4040744"/>
+          <a:xfrm rot="10800000" flipH="1">
+            <a:off x="2" y="0"/>
+            <a:ext cx="12191998" cy="1575955"/>
           </a:xfrm>
           <a:prstGeom prst="rect">
             <a:avLst/>
           </a:prstGeom>
           <a:gradFill>
             <a:gsLst>
-              <a:gs pos="11000">
-                <a:srgbClr val="000000"/>
+              <a:gs pos="0">
+                <a:srgbClr val="000000">
+                  <a:alpha val="96000"/>
+                </a:srgbClr>
               </a:gs>
               <a:gs pos="100000">
                 <a:schemeClr val="accent1">
@@ -9736,7 +10854,7 @@
                 </a:schemeClr>
               </a:gs>
             </a:gsLst>
-            <a:lin ang="18600000" scaled="0"/>
+            <a:lin ang="6000000" scaled="0"/>
           </a:gradFill>
           <a:ln>
             <a:noFill/>
@@ -9763,16 +10881,16 @@
           <a:lstStyle/>
           <a:p>
             <a:pPr algn="ctr"/>
-            <a:endParaRPr lang="en-US" dirty="0"/>
-          </a:p>
-        </p:txBody>
-      </p:sp>
-      <p:sp>
-        <p:nvSpPr>
-          <p:cNvPr id="13" name="Rectangle 12">
-            <a:extLst>
-              <a:ext uri="{FF2B5EF4-FFF2-40B4-BE49-F238E27FC236}">
-                <a16:creationId xmlns:a16="http://schemas.microsoft.com/office/drawing/2014/main" id="{D2548F45-5164-4ABB-8212-7F293FDED8D4}"/>
+            <a:endParaRPr lang="en-US"/>
+          </a:p>
+        </p:txBody>
+      </p:sp>
+      <p:sp>
+        <p:nvSpPr>
+          <p:cNvPr id="23" name="Rectangle 22">
+            <a:extLst>
+              <a:ext uri="{FF2B5EF4-FFF2-40B4-BE49-F238E27FC236}">
+                <a16:creationId xmlns:a16="http://schemas.microsoft.com/office/drawing/2014/main" id="{84A8DE83-DE75-4B41-9DB4-A7EC0B0DEC0B}"/>
               </a:ext>
               <a:ext uri="{C183D7F6-B498-43B3-948B-1728B52AA6E4}">
                 <adec:decorative xmlns:adec="http://schemas.microsoft.com/office/drawing/2017/decorative" val="1"/>
@@ -9791,9 +10909,9 @@
           </p:nvPr>
         </p:nvSpPr>
         <p:spPr>
-          <a:xfrm rot="16200000">
-            <a:off x="-159565" y="2659404"/>
-            <a:ext cx="4355594" cy="4040742"/>
+          <a:xfrm>
+            <a:off x="0" y="0"/>
+            <a:ext cx="8128856" cy="1575461"/>
           </a:xfrm>
           <a:prstGeom prst="rect">
             <a:avLst/>
@@ -9802,17 +10920,18 @@
             <a:gsLst>
               <a:gs pos="0">
                 <a:schemeClr val="accent1">
-                  <a:alpha val="50000"/>
+                  <a:alpha val="41000"/>
                 </a:schemeClr>
               </a:gs>
-              <a:gs pos="100000">
+              <a:gs pos="74000">
                 <a:schemeClr val="accent1">
-                  <a:lumMod val="50000"/>
+                  <a:lumMod val="60000"/>
+                  <a:lumOff val="40000"/>
                   <a:alpha val="0"/>
                 </a:schemeClr>
               </a:gs>
             </a:gsLst>
-            <a:lin ang="11400000" scaled="0"/>
+            <a:lin ang="8400000" scaled="0"/>
           </a:gradFill>
           <a:ln>
             <a:noFill/>
@@ -9845,10 +10964,10 @@
       </p:sp>
       <p:sp>
         <p:nvSpPr>
-          <p:cNvPr id="15" name="Freeform: Shape 14">
-            <a:extLst>
-              <a:ext uri="{FF2B5EF4-FFF2-40B4-BE49-F238E27FC236}">
-                <a16:creationId xmlns:a16="http://schemas.microsoft.com/office/drawing/2014/main" id="{5E81CCFB-7BEF-4186-86FB-D09450B4D02D}"/>
+          <p:cNvPr id="28" name="Rectangle 27">
+            <a:extLst>
+              <a:ext uri="{FF2B5EF4-FFF2-40B4-BE49-F238E27FC236}">
+                <a16:creationId xmlns:a16="http://schemas.microsoft.com/office/drawing/2014/main" id="{A7009A0A-BEF5-4EAC-AF15-E4F9F002E239}"/>
               </a:ext>
               <a:ext uri="{C183D7F6-B498-43B3-948B-1728B52AA6E4}">
                 <adec:decorative xmlns:adec="http://schemas.microsoft.com/office/drawing/2017/decorative" val="1"/>
@@ -9867,123 +10986,27 @@
           </p:nvPr>
         </p:nvSpPr>
         <p:spPr>
-          <a:xfrm rot="6097846">
-            <a:off x="-747355" y="1201312"/>
-            <a:ext cx="4808302" cy="4088666"/>
-          </a:xfrm>
-          <a:custGeom>
+          <a:xfrm flipH="1">
+            <a:off x="-3" y="-1"/>
+            <a:ext cx="12192002" cy="1574311"/>
+          </a:xfrm>
+          <a:prstGeom prst="rect">
             <a:avLst/>
-            <a:gdLst>
-              <a:gd name="connsiteX0" fmla="*/ 48844 w 4808302"/>
-              <a:gd name="connsiteY0" fmla="*/ 2888671 h 4088666"/>
-              <a:gd name="connsiteX1" fmla="*/ 0 w 4808302"/>
-              <a:gd name="connsiteY1" fmla="*/ 2404151 h 4088666"/>
-              <a:gd name="connsiteX2" fmla="*/ 2404151 w 4808302"/>
-              <a:gd name="connsiteY2" fmla="*/ 0 h 4088666"/>
-              <a:gd name="connsiteX3" fmla="*/ 4808302 w 4808302"/>
-              <a:gd name="connsiteY3" fmla="*/ 2404151 h 4088666"/>
-              <a:gd name="connsiteX4" fmla="*/ 4700216 w 4808302"/>
-              <a:gd name="connsiteY4" fmla="*/ 3119072 h 4088666"/>
-              <a:gd name="connsiteX5" fmla="*/ 4643143 w 4808302"/>
-              <a:gd name="connsiteY5" fmla="*/ 3275009 h 4088666"/>
-              <a:gd name="connsiteX6" fmla="*/ 690093 w 4808302"/>
-              <a:gd name="connsiteY6" fmla="*/ 4088666 h 4088666"/>
-              <a:gd name="connsiteX7" fmla="*/ 548991 w 4808302"/>
-              <a:gd name="connsiteY7" fmla="*/ 3933414 h 4088666"/>
-              <a:gd name="connsiteX8" fmla="*/ 48844 w 4808302"/>
-              <a:gd name="connsiteY8" fmla="*/ 2888671 h 4088666"/>
-            </a:gdLst>
-            <a:ahLst/>
-            <a:cxnLst>
-              <a:cxn ang="0">
-                <a:pos x="connsiteX0" y="connsiteY0"/>
-              </a:cxn>
-              <a:cxn ang="0">
-                <a:pos x="connsiteX1" y="connsiteY1"/>
-              </a:cxn>
-              <a:cxn ang="0">
-                <a:pos x="connsiteX2" y="connsiteY2"/>
-              </a:cxn>
-              <a:cxn ang="0">
-                <a:pos x="connsiteX3" y="connsiteY3"/>
-              </a:cxn>
-              <a:cxn ang="0">
-                <a:pos x="connsiteX4" y="connsiteY4"/>
-              </a:cxn>
-              <a:cxn ang="0">
-                <a:pos x="connsiteX5" y="connsiteY5"/>
-              </a:cxn>
-              <a:cxn ang="0">
-                <a:pos x="connsiteX6" y="connsiteY6"/>
-              </a:cxn>
-              <a:cxn ang="0">
-                <a:pos x="connsiteX7" y="connsiteY7"/>
-              </a:cxn>
-              <a:cxn ang="0">
-                <a:pos x="connsiteX8" y="connsiteY8"/>
-              </a:cxn>
-            </a:cxnLst>
-            <a:rect l="l" t="t" r="r" b="b"/>
-            <a:pathLst>
-              <a:path w="4808302" h="4088666">
-                <a:moveTo>
-                  <a:pt x="48844" y="2888671"/>
-                </a:moveTo>
-                <a:cubicBezTo>
-                  <a:pt x="16818" y="2732167"/>
-                  <a:pt x="0" y="2570123"/>
-                  <a:pt x="0" y="2404151"/>
-                </a:cubicBezTo>
-                <a:cubicBezTo>
-                  <a:pt x="0" y="1076375"/>
-                  <a:pt x="1076375" y="0"/>
-                  <a:pt x="2404151" y="0"/>
-                </a:cubicBezTo>
-                <a:cubicBezTo>
-                  <a:pt x="3731927" y="0"/>
-                  <a:pt x="4808302" y="1076375"/>
-                  <a:pt x="4808302" y="2404151"/>
-                </a:cubicBezTo>
-                <a:cubicBezTo>
-                  <a:pt x="4808302" y="2653109"/>
-                  <a:pt x="4770461" y="2893229"/>
-                  <a:pt x="4700216" y="3119072"/>
-                </a:cubicBezTo>
-                <a:lnTo>
-                  <a:pt x="4643143" y="3275009"/>
-                </a:lnTo>
-                <a:lnTo>
-                  <a:pt x="690093" y="4088666"/>
-                </a:lnTo>
-                <a:lnTo>
-                  <a:pt x="548991" y="3933414"/>
-                </a:lnTo>
-                <a:cubicBezTo>
-                  <a:pt x="304015" y="3636572"/>
-                  <a:pt x="128908" y="3279932"/>
-                  <a:pt x="48844" y="2888671"/>
-                </a:cubicBezTo>
-                <a:close/>
-              </a:path>
-            </a:pathLst>
-          </a:custGeom>
+          </a:prstGeom>
           <a:gradFill>
             <a:gsLst>
-              <a:gs pos="39000">
+              <a:gs pos="0">
+                <a:srgbClr val="000000">
+                  <a:alpha val="63000"/>
+                </a:srgbClr>
+              </a:gs>
+              <a:gs pos="78000">
                 <a:schemeClr val="accent1">
-                  <a:lumMod val="60000"/>
-                  <a:lumOff val="40000"/>
-                  <a:alpha val="0"/>
-                </a:schemeClr>
-              </a:gs>
-              <a:gs pos="100000">
-                <a:schemeClr val="accent1">
-                  <a:lumMod val="75000"/>
-                  <a:alpha val="26000"/>
+                  <a:alpha val="15000"/>
                 </a:schemeClr>
               </a:gs>
             </a:gsLst>
-            <a:lin ang="16800000" scaled="0"/>
+            <a:lin ang="15600000" scaled="0"/>
           </a:gradFill>
           <a:ln>
             <a:noFill/>
@@ -10006,22 +11029,20 @@
           </a:fontRef>
         </p:style>
         <p:txBody>
-          <a:bodyPr wrap="square" rtlCol="0" anchor="ctr">
-            <a:noAutofit/>
-          </a:bodyPr>
+          <a:bodyPr rtlCol="0" anchor="ctr"/>
           <a:lstStyle/>
           <a:p>
             <a:pPr algn="ctr"/>
-            <a:endParaRPr lang="en-US" dirty="0"/>
-          </a:p>
-        </p:txBody>
-      </p:sp>
-      <p:sp>
-        <p:nvSpPr>
-          <p:cNvPr id="2" name="Title 1">
-            <a:extLst>
-              <a:ext uri="{FF2B5EF4-FFF2-40B4-BE49-F238E27FC236}">
-                <a16:creationId xmlns:a16="http://schemas.microsoft.com/office/drawing/2014/main" id="{ECEC9703-76BF-8FD6-A578-BA6B83370C33}"/>
+            <a:endParaRPr lang="en-US"/>
+          </a:p>
+        </p:txBody>
+      </p:sp>
+      <p:sp>
+        <p:nvSpPr>
+          <p:cNvPr id="7" name="Title 6">
+            <a:extLst>
+              <a:ext uri="{FF2B5EF4-FFF2-40B4-BE49-F238E27FC236}">
+                <a16:creationId xmlns:a16="http://schemas.microsoft.com/office/drawing/2014/main" id="{147C9E04-FB21-E1C7-A131-F9FB96C91827}"/>
               </a:ext>
             </a:extLst>
           </p:cNvPr>
@@ -10034,32 +11055,64 @@
         </p:nvSpPr>
         <p:spPr>
           <a:xfrm>
-            <a:off x="534473" y="2950387"/>
-            <a:ext cx="3052293" cy="3531403"/>
-          </a:xfrm>
-        </p:spPr>
-        <p:txBody>
-          <a:bodyPr vert="horz" lIns="91440" tIns="45720" rIns="91440" bIns="45720" rtlCol="0" anchor="t">
-            <a:normAutofit/>
+            <a:off x="699713" y="248038"/>
+            <a:ext cx="7063721" cy="1159200"/>
+          </a:xfrm>
+        </p:spPr>
+        <p:txBody>
+          <a:bodyPr vert="horz" lIns="91440" tIns="45720" rIns="91440" bIns="45720" rtlCol="0" anchor="ctr">
+            <a:normAutofit fontScale="90000"/>
           </a:bodyPr>
           <a:lstStyle/>
           <a:p>
-            <a:pPr algn="r"/>
             <a:r>
-              <a:rPr lang="en-US" sz="4000">
+              <a:rPr lang="en-US" sz="4000" kern="1200" dirty="0">
                 <a:solidFill>
                   <a:srgbClr val="FFFFFF"/>
                 </a:solidFill>
+                <a:latin typeface="+mj-lt"/>
+                <a:ea typeface="+mj-ea"/>
+                <a:cs typeface="+mj-cs"/>
               </a:rPr>
-              <a:t>Conclusion:</a:t>
+              <a:t>Comparison between Consumer price and Wage</a:t>
             </a:r>
           </a:p>
         </p:txBody>
       </p:sp>
+      <p:pic>
+        <p:nvPicPr>
+          <p:cNvPr id="5" name="Content Placeholder 4">
+            <a:extLst>
+              <a:ext uri="{FF2B5EF4-FFF2-40B4-BE49-F238E27FC236}">
+                <a16:creationId xmlns:a16="http://schemas.microsoft.com/office/drawing/2014/main" id="{CCE213B0-2CFD-785E-DE02-861D0A90DB92}"/>
+              </a:ext>
+            </a:extLst>
+          </p:cNvPr>
+          <p:cNvPicPr>
+            <a:picLocks noChangeAspect="1"/>
+          </p:cNvPicPr>
+          <p:nvPr/>
+        </p:nvPicPr>
+        <p:blipFill>
+          <a:blip r:embed="rId2"/>
+          <a:stretch>
+            <a:fillRect/>
+          </a:stretch>
+        </p:blipFill>
+        <p:spPr>
+          <a:xfrm>
+            <a:off x="432225" y="2479081"/>
+            <a:ext cx="11327549" cy="3426583"/>
+          </a:xfrm>
+          <a:prstGeom prst="rect">
+            <a:avLst/>
+          </a:prstGeom>
+        </p:spPr>
+      </p:pic>
     </p:spTree>
     <p:extLst>
       <p:ext uri="{BB962C8B-B14F-4D97-AF65-F5344CB8AC3E}">
-        <p14:creationId xmlns:p14="http://schemas.microsoft.com/office/powerpoint/2010/main" val="4188464772"/>
+        <p14:creationId xmlns:p14="http://schemas.microsoft.com/office/powerpoint/2010/main" val="3118827927"/>
       </p:ext>
     </p:extLst>
   </p:cSld>
@@ -10382,4 +11435,47 @@
     </a:ext>
   </a:extLst>
 </a:theme>
+</file>
+
+<file path=ppt/theme/themeOverride1.xml><?xml version="1.0" encoding="utf-8"?>
+<a:themeOverride xmlns:a="http://schemas.openxmlformats.org/drawingml/2006/main">
+  <a:clrScheme name="Office">
+    <a:dk1>
+      <a:sysClr val="windowText" lastClr="000000"/>
+    </a:dk1>
+    <a:lt1>
+      <a:sysClr val="window" lastClr="FFFFFF"/>
+    </a:lt1>
+    <a:dk2>
+      <a:srgbClr val="0E2841"/>
+    </a:dk2>
+    <a:lt2>
+      <a:srgbClr val="E8E8E8"/>
+    </a:lt2>
+    <a:accent1>
+      <a:srgbClr val="156082"/>
+    </a:accent1>
+    <a:accent2>
+      <a:srgbClr val="E97132"/>
+    </a:accent2>
+    <a:accent3>
+      <a:srgbClr val="196B24"/>
+    </a:accent3>
+    <a:accent4>
+      <a:srgbClr val="0F9ED5"/>
+    </a:accent4>
+    <a:accent5>
+      <a:srgbClr val="A02B93"/>
+    </a:accent5>
+    <a:accent6>
+      <a:srgbClr val="4EA72E"/>
+    </a:accent6>
+    <a:hlink>
+      <a:srgbClr val="467886"/>
+    </a:hlink>
+    <a:folHlink>
+      <a:srgbClr val="96607D"/>
+    </a:folHlink>
+  </a:clrScheme>
+</a:themeOverride>
 </file>